--- a/週報/修士論文.pptx
+++ b/週報/修士論文.pptx
@@ -263,7 +263,7 @@
           <a:p>
             <a:fld id="{7B7755EC-E61B-400C-864B-ED3249D8EE30}" type="datetimeFigureOut">
               <a:rPr kumimoji="1" lang="ja-JP" altLang="en-US" smtClean="0"/>
-              <a:t>2021/12/11</a:t>
+              <a:t>2021/12/17</a:t>
             </a:fld>
             <a:endParaRPr kumimoji="1" lang="ja-JP" altLang="en-US"/>
           </a:p>
@@ -493,7 +493,7 @@
           <a:p>
             <a:fld id="{7B7755EC-E61B-400C-864B-ED3249D8EE30}" type="datetimeFigureOut">
               <a:rPr kumimoji="1" lang="ja-JP" altLang="en-US" smtClean="0"/>
-              <a:t>2021/12/11</a:t>
+              <a:t>2021/12/17</a:t>
             </a:fld>
             <a:endParaRPr kumimoji="1" lang="ja-JP" altLang="en-US"/>
           </a:p>
@@ -733,7 +733,7 @@
           <a:p>
             <a:fld id="{7B7755EC-E61B-400C-864B-ED3249D8EE30}" type="datetimeFigureOut">
               <a:rPr kumimoji="1" lang="ja-JP" altLang="en-US" smtClean="0"/>
-              <a:t>2021/12/11</a:t>
+              <a:t>2021/12/17</a:t>
             </a:fld>
             <a:endParaRPr kumimoji="1" lang="ja-JP" altLang="en-US"/>
           </a:p>
@@ -963,7 +963,7 @@
           <a:p>
             <a:fld id="{7B7755EC-E61B-400C-864B-ED3249D8EE30}" type="datetimeFigureOut">
               <a:rPr kumimoji="1" lang="ja-JP" altLang="en-US" smtClean="0"/>
-              <a:t>2021/12/11</a:t>
+              <a:t>2021/12/17</a:t>
             </a:fld>
             <a:endParaRPr kumimoji="1" lang="ja-JP" altLang="en-US"/>
           </a:p>
@@ -1238,7 +1238,7 @@
           <a:p>
             <a:fld id="{7B7755EC-E61B-400C-864B-ED3249D8EE30}" type="datetimeFigureOut">
               <a:rPr kumimoji="1" lang="ja-JP" altLang="en-US" smtClean="0"/>
-              <a:t>2021/12/11</a:t>
+              <a:t>2021/12/17</a:t>
             </a:fld>
             <a:endParaRPr kumimoji="1" lang="ja-JP" altLang="en-US"/>
           </a:p>
@@ -1567,7 +1567,7 @@
           <a:p>
             <a:fld id="{7B7755EC-E61B-400C-864B-ED3249D8EE30}" type="datetimeFigureOut">
               <a:rPr kumimoji="1" lang="ja-JP" altLang="en-US" smtClean="0"/>
-              <a:t>2021/12/11</a:t>
+              <a:t>2021/12/17</a:t>
             </a:fld>
             <a:endParaRPr kumimoji="1" lang="ja-JP" altLang="en-US"/>
           </a:p>
@@ -2043,7 +2043,7 @@
           <a:p>
             <a:fld id="{7B7755EC-E61B-400C-864B-ED3249D8EE30}" type="datetimeFigureOut">
               <a:rPr kumimoji="1" lang="ja-JP" altLang="en-US" smtClean="0"/>
-              <a:t>2021/12/11</a:t>
+              <a:t>2021/12/17</a:t>
             </a:fld>
             <a:endParaRPr kumimoji="1" lang="ja-JP" altLang="en-US"/>
           </a:p>
@@ -2184,7 +2184,7 @@
           <a:p>
             <a:fld id="{7B7755EC-E61B-400C-864B-ED3249D8EE30}" type="datetimeFigureOut">
               <a:rPr kumimoji="1" lang="ja-JP" altLang="en-US" smtClean="0"/>
-              <a:t>2021/12/11</a:t>
+              <a:t>2021/12/17</a:t>
             </a:fld>
             <a:endParaRPr kumimoji="1" lang="ja-JP" altLang="en-US"/>
           </a:p>
@@ -2297,7 +2297,7 @@
           <a:p>
             <a:fld id="{7B7755EC-E61B-400C-864B-ED3249D8EE30}" type="datetimeFigureOut">
               <a:rPr kumimoji="1" lang="ja-JP" altLang="en-US" smtClean="0"/>
-              <a:t>2021/12/11</a:t>
+              <a:t>2021/12/17</a:t>
             </a:fld>
             <a:endParaRPr kumimoji="1" lang="ja-JP" altLang="en-US"/>
           </a:p>
@@ -2640,7 +2640,7 @@
           <a:p>
             <a:fld id="{7B7755EC-E61B-400C-864B-ED3249D8EE30}" type="datetimeFigureOut">
               <a:rPr kumimoji="1" lang="ja-JP" altLang="en-US" smtClean="0"/>
-              <a:t>2021/12/11</a:t>
+              <a:t>2021/12/17</a:t>
             </a:fld>
             <a:endParaRPr kumimoji="1" lang="ja-JP" altLang="en-US"/>
           </a:p>
@@ -2928,7 +2928,7 @@
           <a:p>
             <a:fld id="{7B7755EC-E61B-400C-864B-ED3249D8EE30}" type="datetimeFigureOut">
               <a:rPr kumimoji="1" lang="ja-JP" altLang="en-US" smtClean="0"/>
-              <a:t>2021/12/11</a:t>
+              <a:t>2021/12/17</a:t>
             </a:fld>
             <a:endParaRPr kumimoji="1" lang="ja-JP" altLang="en-US"/>
           </a:p>
@@ -3201,7 +3201,7 @@
           <a:p>
             <a:fld id="{7B7755EC-E61B-400C-864B-ED3249D8EE30}" type="datetimeFigureOut">
               <a:rPr kumimoji="1" lang="ja-JP" altLang="en-US" smtClean="0"/>
-              <a:t>2021/12/11</a:t>
+              <a:t>2021/12/17</a:t>
             </a:fld>
             <a:endParaRPr kumimoji="1" lang="ja-JP" altLang="en-US"/>
           </a:p>
@@ -4006,9 +4006,10 @@
           <a:lstStyle/>
           <a:p>
             <a:r>
-              <a:rPr kumimoji="1" lang="ja-JP" altLang="en-US" dirty="0"/>
-              <a:t>結論</a:t>
-            </a:r>
+              <a:rPr kumimoji="1" lang="ja-JP" altLang="en-US"/>
+              <a:t>研究背景の結論</a:t>
+            </a:r>
+            <a:endParaRPr kumimoji="1" lang="ja-JP" altLang="en-US" dirty="0"/>
           </a:p>
         </p:txBody>
       </p:sp>
